--- a/クリエイティブ/Editing/171214_東芝メディカル_感謝の気持ち.pptx
+++ b/クリエイティブ/Editing/171214_東芝メディカル_感謝の気持ち.pptx
@@ -3997,14 +3997,14 @@
           <p:nvPr>
             <p:extLst>
               <p:ext uri="{D42A27DB-BD31-4B8C-83A1-F6EECF244321}">
-                <p14:modId xmlns:p14="http://schemas.microsoft.com/office/powerpoint/2010/main" val="365182914"/>
+                <p14:modId xmlns:p14="http://schemas.microsoft.com/office/powerpoint/2010/main" val="1235557541"/>
               </p:ext>
             </p:extLst>
           </p:nvPr>
         </p:nvGraphicFramePr>
         <p:xfrm>
           <a:off x="338203" y="1283337"/>
-          <a:ext cx="11446006" cy="4058920"/>
+          <a:ext cx="11446006" cy="4267200"/>
         </p:xfrm>
         <a:graphic>
           <a:graphicData uri="http://schemas.openxmlformats.org/drawingml/2006/table">
@@ -4856,6 +4856,37 @@
                           <a:spcPct val="100000"/>
                         </a:lnSpc>
                       </a:pPr>
+                      <a:r>
+                        <a:rPr lang="ja-JP" altLang="en-US" sz="1600" b="0" dirty="0" smtClean="0">
+                          <a:effectLst/>
+                          <a:latin typeface="HGMaruGothicMPRO" charset="-128"/>
+                          <a:ea typeface="HGMaruGothicMPRO" charset="-128"/>
+                          <a:cs typeface="HGMaruGothicMPRO" charset="-128"/>
+                        </a:rPr>
+                        <a:t>感謝の気持を伝える「手紙」をイメージしたタイトルロゴです。</a:t>
+                      </a:r>
+                      <a:endParaRPr lang="en-US" altLang="ja-JP" sz="1600" b="0" dirty="0" smtClean="0">
+                        <a:effectLst/>
+                        <a:latin typeface="HGMaruGothicMPRO" charset="-128"/>
+                        <a:ea typeface="HGMaruGothicMPRO" charset="-128"/>
+                        <a:cs typeface="HGMaruGothicMPRO" charset="-128"/>
+                      </a:endParaRPr>
+                    </a:p>
+                    <a:p>
+                      <a:pPr>
+                        <a:lnSpc>
+                          <a:spcPct val="100000"/>
+                        </a:lnSpc>
+                      </a:pPr>
+                      <a:r>
+                        <a:rPr lang="ja-JP" altLang="en-US" sz="1600" b="0" dirty="0" smtClean="0">
+                          <a:effectLst/>
+                          <a:latin typeface="HGMaruGothicMPRO" charset="-128"/>
+                          <a:ea typeface="HGMaruGothicMPRO" charset="-128"/>
+                          <a:cs typeface="HGMaruGothicMPRO" charset="-128"/>
+                        </a:rPr>
+                        <a:t>手書き風のフォントを使用することで、感謝を伝える企画だということが一目でわかります。</a:t>
+                      </a:r>
                       <a:endParaRPr lang="en-US" altLang="ja-JP" sz="1600" b="0" dirty="0" smtClean="0">
                         <a:effectLst/>
                         <a:latin typeface="HGMaruGothicMPRO" charset="-128"/>
